--- a/Presentation-Template.pptx
+++ b/Presentation-Template.pptx
@@ -13196,7 +13196,7 @@
                   <a:schemeClr val="tx1"/>
                 </a:solidFill>
               </a:rPr>
-              <a:t>Loss: 0.0601</a:t>
+              <a:t>Loss: 0.0456</a:t>
             </a:r>
           </a:p>
           <a:p>
@@ -13941,7 +13941,7 @@
                   <a:schemeClr val="tx1"/>
                 </a:solidFill>
               </a:rPr>
-              <a:t>Loss: 0.0601</a:t>
+              <a:t>Loss: 0.0456</a:t>
             </a:r>
           </a:p>
           <a:p>
